--- a/TEKST/DIJAGRAMI.pptx
+++ b/TEKST/DIJAGRAMI.pptx
@@ -6,6 +6,7 @@
   </p:sldMasterIdLst>
   <p:sldIdLst>
     <p:sldId id="257" r:id="rId2"/>
+    <p:sldId id="258" r:id="rId3"/>
   </p:sldIdLst>
   <p:sldSz cx="12192000" cy="6858000"/>
   <p:notesSz cx="6858000" cy="9144000"/>
@@ -104,6 +105,11 @@
       </a:defRPr>
     </a:lvl9pPr>
   </p:defaultTextStyle>
+  <p:extLst>
+    <p:ext uri="{EFAFB233-063F-42B5-8137-9DF3F51BA10A}">
+      <p15:sldGuideLst xmlns:p15="http://schemas.microsoft.com/office/powerpoint/2012/main"/>
+    </p:ext>
+  </p:extLst>
 </p:presentation>
 </file>
 
@@ -238,7 +244,7 @@
           <a:p>
             <a:fld id="{DEE53EB1-81EC-4AF8-9608-D8FC8B33BFCF}" type="datetimeFigureOut">
               <a:rPr lang="hr-HR" smtClean="0"/>
-              <a:t>30.5.2015.</a:t>
+              <a:t>3.6.2015.</a:t>
             </a:fld>
             <a:endParaRPr lang="hr-HR"/>
           </a:p>
@@ -408,7 +414,7 @@
           <a:p>
             <a:fld id="{DEE53EB1-81EC-4AF8-9608-D8FC8B33BFCF}" type="datetimeFigureOut">
               <a:rPr lang="hr-HR" smtClean="0"/>
-              <a:t>30.5.2015.</a:t>
+              <a:t>3.6.2015.</a:t>
             </a:fld>
             <a:endParaRPr lang="hr-HR"/>
           </a:p>
@@ -588,7 +594,7 @@
           <a:p>
             <a:fld id="{DEE53EB1-81EC-4AF8-9608-D8FC8B33BFCF}" type="datetimeFigureOut">
               <a:rPr lang="hr-HR" smtClean="0"/>
-              <a:t>30.5.2015.</a:t>
+              <a:t>3.6.2015.</a:t>
             </a:fld>
             <a:endParaRPr lang="hr-HR"/>
           </a:p>
@@ -758,7 +764,7 @@
           <a:p>
             <a:fld id="{DEE53EB1-81EC-4AF8-9608-D8FC8B33BFCF}" type="datetimeFigureOut">
               <a:rPr lang="hr-HR" smtClean="0"/>
-              <a:t>30.5.2015.</a:t>
+              <a:t>3.6.2015.</a:t>
             </a:fld>
             <a:endParaRPr lang="hr-HR"/>
           </a:p>
@@ -1004,7 +1010,7 @@
           <a:p>
             <a:fld id="{DEE53EB1-81EC-4AF8-9608-D8FC8B33BFCF}" type="datetimeFigureOut">
               <a:rPr lang="hr-HR" smtClean="0"/>
-              <a:t>30.5.2015.</a:t>
+              <a:t>3.6.2015.</a:t>
             </a:fld>
             <a:endParaRPr lang="hr-HR"/>
           </a:p>
@@ -1236,7 +1242,7 @@
           <a:p>
             <a:fld id="{DEE53EB1-81EC-4AF8-9608-D8FC8B33BFCF}" type="datetimeFigureOut">
               <a:rPr lang="hr-HR" smtClean="0"/>
-              <a:t>30.5.2015.</a:t>
+              <a:t>3.6.2015.</a:t>
             </a:fld>
             <a:endParaRPr lang="hr-HR"/>
           </a:p>
@@ -1603,7 +1609,7 @@
           <a:p>
             <a:fld id="{DEE53EB1-81EC-4AF8-9608-D8FC8B33BFCF}" type="datetimeFigureOut">
               <a:rPr lang="hr-HR" smtClean="0"/>
-              <a:t>30.5.2015.</a:t>
+              <a:t>3.6.2015.</a:t>
             </a:fld>
             <a:endParaRPr lang="hr-HR"/>
           </a:p>
@@ -1721,7 +1727,7 @@
           <a:p>
             <a:fld id="{DEE53EB1-81EC-4AF8-9608-D8FC8B33BFCF}" type="datetimeFigureOut">
               <a:rPr lang="hr-HR" smtClean="0"/>
-              <a:t>30.5.2015.</a:t>
+              <a:t>3.6.2015.</a:t>
             </a:fld>
             <a:endParaRPr lang="hr-HR"/>
           </a:p>
@@ -1816,7 +1822,7 @@
           <a:p>
             <a:fld id="{DEE53EB1-81EC-4AF8-9608-D8FC8B33BFCF}" type="datetimeFigureOut">
               <a:rPr lang="hr-HR" smtClean="0"/>
-              <a:t>30.5.2015.</a:t>
+              <a:t>3.6.2015.</a:t>
             </a:fld>
             <a:endParaRPr lang="hr-HR"/>
           </a:p>
@@ -2093,7 +2099,7 @@
           <a:p>
             <a:fld id="{DEE53EB1-81EC-4AF8-9608-D8FC8B33BFCF}" type="datetimeFigureOut">
               <a:rPr lang="hr-HR" smtClean="0"/>
-              <a:t>30.5.2015.</a:t>
+              <a:t>3.6.2015.</a:t>
             </a:fld>
             <a:endParaRPr lang="hr-HR"/>
           </a:p>
@@ -2346,7 +2352,7 @@
           <a:p>
             <a:fld id="{DEE53EB1-81EC-4AF8-9608-D8FC8B33BFCF}" type="datetimeFigureOut">
               <a:rPr lang="hr-HR" smtClean="0"/>
-              <a:t>30.5.2015.</a:t>
+              <a:t>3.6.2015.</a:t>
             </a:fld>
             <a:endParaRPr lang="hr-HR"/>
           </a:p>
@@ -2559,7 +2565,7 @@
           <a:p>
             <a:fld id="{DEE53EB1-81EC-4AF8-9608-D8FC8B33BFCF}" type="datetimeFigureOut">
               <a:rPr lang="hr-HR" smtClean="0"/>
-              <a:t>30.5.2015.</a:t>
+              <a:t>3.6.2015.</a:t>
             </a:fld>
             <a:endParaRPr lang="hr-HR"/>
           </a:p>
@@ -3687,6 +3693,976 @@
 </p:sld>
 </file>
 
+<file path=ppt/slides/slide2.xml><?xml version="1.0" encoding="utf-8"?>
+<p:sld xmlns:a="http://schemas.openxmlformats.org/drawingml/2006/main" xmlns:r="http://schemas.openxmlformats.org/officeDocument/2006/relationships" xmlns:p="http://schemas.openxmlformats.org/presentationml/2006/main">
+  <p:cSld>
+    <p:spTree>
+      <p:nvGrpSpPr>
+        <p:cNvPr id="1" name=""/>
+        <p:cNvGrpSpPr/>
+        <p:nvPr/>
+      </p:nvGrpSpPr>
+      <p:grpSpPr>
+        <a:xfrm>
+          <a:off x="0" y="0"/>
+          <a:ext cx="0" cy="0"/>
+          <a:chOff x="0" y="0"/>
+          <a:chExt cx="0" cy="0"/>
+        </a:xfrm>
+      </p:grpSpPr>
+      <p:sp>
+        <p:nvSpPr>
+          <p:cNvPr id="3" name="Zaobljeni pravokutnik 2"/>
+          <p:cNvSpPr/>
+          <p:nvPr/>
+        </p:nvSpPr>
+        <p:spPr>
+          <a:xfrm>
+            <a:off x="461493" y="918872"/>
+            <a:ext cx="2086377" cy="1287887"/>
+          </a:xfrm>
+          <a:prstGeom prst="roundRect">
+            <a:avLst/>
+          </a:prstGeom>
+          <a:ln>
+            <a:solidFill>
+              <a:schemeClr val="tx1"/>
+            </a:solidFill>
+          </a:ln>
+        </p:spPr>
+        <p:style>
+          <a:lnRef idx="2">
+            <a:schemeClr val="accent1">
+              <a:shade val="50000"/>
+            </a:schemeClr>
+          </a:lnRef>
+          <a:fillRef idx="1">
+            <a:schemeClr val="accent1"/>
+          </a:fillRef>
+          <a:effectRef idx="0">
+            <a:schemeClr val="accent1"/>
+          </a:effectRef>
+          <a:fontRef idx="minor">
+            <a:schemeClr val="lt1"/>
+          </a:fontRef>
+        </p:style>
+        <p:txBody>
+          <a:bodyPr rtlCol="0" anchor="ctr"/>
+          <a:lstStyle/>
+          <a:p>
+            <a:pPr algn="ctr"/>
+            <a:r>
+              <a:rPr lang="hr-HR" sz="2100" b="1" dirty="0" smtClean="0"/>
+              <a:t>Internetski preglednik</a:t>
+            </a:r>
+            <a:endParaRPr lang="hr-HR" sz="2100" b="1" dirty="0"/>
+          </a:p>
+        </p:txBody>
+      </p:sp>
+      <p:sp>
+        <p:nvSpPr>
+          <p:cNvPr id="4" name="Zaobljeni pravokutnik 3"/>
+          <p:cNvSpPr/>
+          <p:nvPr/>
+        </p:nvSpPr>
+        <p:spPr>
+          <a:xfrm>
+            <a:off x="3563155" y="918872"/>
+            <a:ext cx="2086377" cy="1287887"/>
+          </a:xfrm>
+          <a:prstGeom prst="roundRect">
+            <a:avLst/>
+          </a:prstGeom>
+          <a:ln>
+            <a:solidFill>
+              <a:schemeClr val="tx1"/>
+            </a:solidFill>
+          </a:ln>
+        </p:spPr>
+        <p:style>
+          <a:lnRef idx="2">
+            <a:schemeClr val="accent1">
+              <a:shade val="50000"/>
+            </a:schemeClr>
+          </a:lnRef>
+          <a:fillRef idx="1">
+            <a:schemeClr val="accent1"/>
+          </a:fillRef>
+          <a:effectRef idx="0">
+            <a:schemeClr val="accent1"/>
+          </a:effectRef>
+          <a:fontRef idx="minor">
+            <a:schemeClr val="lt1"/>
+          </a:fontRef>
+        </p:style>
+        <p:txBody>
+          <a:bodyPr rtlCol="0" anchor="ctr"/>
+          <a:lstStyle/>
+          <a:p>
+            <a:pPr algn="ctr"/>
+            <a:r>
+              <a:rPr lang="hr-HR" sz="2100" b="1" dirty="0" smtClean="0"/>
+              <a:t>Zahtjev</a:t>
+            </a:r>
+            <a:endParaRPr lang="hr-HR" sz="2100" b="1" dirty="0"/>
+          </a:p>
+        </p:txBody>
+      </p:sp>
+      <p:sp>
+        <p:nvSpPr>
+          <p:cNvPr id="5" name="Zaobljeni pravokutnik 4"/>
+          <p:cNvSpPr/>
+          <p:nvPr/>
+        </p:nvSpPr>
+        <p:spPr>
+          <a:xfrm>
+            <a:off x="6664817" y="918872"/>
+            <a:ext cx="2086377" cy="1287887"/>
+          </a:xfrm>
+          <a:prstGeom prst="roundRect">
+            <a:avLst/>
+          </a:prstGeom>
+          <a:ln>
+            <a:solidFill>
+              <a:schemeClr val="tx1"/>
+            </a:solidFill>
+          </a:ln>
+        </p:spPr>
+        <p:style>
+          <a:lnRef idx="2">
+            <a:schemeClr val="accent1">
+              <a:shade val="50000"/>
+            </a:schemeClr>
+          </a:lnRef>
+          <a:fillRef idx="1">
+            <a:schemeClr val="accent1"/>
+          </a:fillRef>
+          <a:effectRef idx="0">
+            <a:schemeClr val="accent1"/>
+          </a:effectRef>
+          <a:fontRef idx="minor">
+            <a:schemeClr val="lt1"/>
+          </a:fontRef>
+        </p:style>
+        <p:txBody>
+          <a:bodyPr rtlCol="0" anchor="ctr"/>
+          <a:lstStyle/>
+          <a:p>
+            <a:pPr algn="ctr"/>
+            <a:r>
+              <a:rPr lang="hr-HR" sz="2100" b="1" dirty="0" smtClean="0"/>
+              <a:t>Usmjeravanje</a:t>
+            </a:r>
+            <a:endParaRPr lang="hr-HR" sz="2100" b="1" dirty="0"/>
+          </a:p>
+        </p:txBody>
+      </p:sp>
+      <p:sp>
+        <p:nvSpPr>
+          <p:cNvPr id="6" name="Zaobljeni pravokutnik 5"/>
+          <p:cNvSpPr/>
+          <p:nvPr/>
+        </p:nvSpPr>
+        <p:spPr>
+          <a:xfrm>
+            <a:off x="9766479" y="918872"/>
+            <a:ext cx="2086377" cy="1287887"/>
+          </a:xfrm>
+          <a:prstGeom prst="roundRect">
+            <a:avLst/>
+          </a:prstGeom>
+          <a:ln>
+            <a:solidFill>
+              <a:schemeClr val="tx1"/>
+            </a:solidFill>
+          </a:ln>
+        </p:spPr>
+        <p:style>
+          <a:lnRef idx="2">
+            <a:schemeClr val="accent1">
+              <a:shade val="50000"/>
+            </a:schemeClr>
+          </a:lnRef>
+          <a:fillRef idx="1">
+            <a:schemeClr val="accent1"/>
+          </a:fillRef>
+          <a:effectRef idx="0">
+            <a:schemeClr val="accent1"/>
+          </a:effectRef>
+          <a:fontRef idx="minor">
+            <a:schemeClr val="lt1"/>
+          </a:fontRef>
+        </p:style>
+        <p:txBody>
+          <a:bodyPr rtlCol="0" anchor="ctr"/>
+          <a:lstStyle/>
+          <a:p>
+            <a:pPr algn="ctr"/>
+            <a:r>
+              <a:rPr lang="hr-HR" sz="2100" b="1" dirty="0" smtClean="0"/>
+              <a:t>MVC procesiranje</a:t>
+            </a:r>
+            <a:endParaRPr lang="hr-HR" sz="2100" b="1" dirty="0"/>
+          </a:p>
+        </p:txBody>
+      </p:sp>
+      <p:sp>
+        <p:nvSpPr>
+          <p:cNvPr id="7" name="Zaobljeni pravokutnik 6"/>
+          <p:cNvSpPr/>
+          <p:nvPr/>
+        </p:nvSpPr>
+        <p:spPr>
+          <a:xfrm>
+            <a:off x="9766479" y="2745525"/>
+            <a:ext cx="2086377" cy="1287887"/>
+          </a:xfrm>
+          <a:prstGeom prst="roundRect">
+            <a:avLst/>
+          </a:prstGeom>
+          <a:ln>
+            <a:solidFill>
+              <a:schemeClr val="tx1"/>
+            </a:solidFill>
+          </a:ln>
+        </p:spPr>
+        <p:style>
+          <a:lnRef idx="2">
+            <a:schemeClr val="accent1">
+              <a:shade val="50000"/>
+            </a:schemeClr>
+          </a:lnRef>
+          <a:fillRef idx="1">
+            <a:schemeClr val="accent1"/>
+          </a:fillRef>
+          <a:effectRef idx="0">
+            <a:schemeClr val="accent1"/>
+          </a:effectRef>
+          <a:fontRef idx="minor">
+            <a:schemeClr val="lt1"/>
+          </a:fontRef>
+        </p:style>
+        <p:txBody>
+          <a:bodyPr rtlCol="0" anchor="ctr"/>
+          <a:lstStyle/>
+          <a:p>
+            <a:pPr algn="ctr"/>
+            <a:r>
+              <a:rPr lang="hr-HR" sz="2100" b="1" dirty="0" smtClean="0"/>
+              <a:t>Upravitelj</a:t>
+            </a:r>
+            <a:endParaRPr lang="hr-HR" sz="2100" b="1" dirty="0"/>
+          </a:p>
+        </p:txBody>
+      </p:sp>
+      <p:sp>
+        <p:nvSpPr>
+          <p:cNvPr id="8" name="Zaobljeni pravokutnik 7"/>
+          <p:cNvSpPr/>
+          <p:nvPr/>
+        </p:nvSpPr>
+        <p:spPr>
+          <a:xfrm>
+            <a:off x="9794383" y="4572175"/>
+            <a:ext cx="2086377" cy="1287887"/>
+          </a:xfrm>
+          <a:prstGeom prst="roundRect">
+            <a:avLst/>
+          </a:prstGeom>
+          <a:ln>
+            <a:solidFill>
+              <a:schemeClr val="tx1"/>
+            </a:solidFill>
+          </a:ln>
+        </p:spPr>
+        <p:style>
+          <a:lnRef idx="2">
+            <a:schemeClr val="accent1">
+              <a:shade val="50000"/>
+            </a:schemeClr>
+          </a:lnRef>
+          <a:fillRef idx="1">
+            <a:schemeClr val="accent1"/>
+          </a:fillRef>
+          <a:effectRef idx="0">
+            <a:schemeClr val="accent1"/>
+          </a:effectRef>
+          <a:fontRef idx="minor">
+            <a:schemeClr val="lt1"/>
+          </a:fontRef>
+        </p:style>
+        <p:txBody>
+          <a:bodyPr rtlCol="0" anchor="ctr"/>
+          <a:lstStyle/>
+          <a:p>
+            <a:pPr algn="ctr"/>
+            <a:r>
+              <a:rPr lang="hr-HR" sz="2100" b="1" dirty="0" smtClean="0"/>
+              <a:t>Izvršavanje akcije upravitelja</a:t>
+            </a:r>
+            <a:endParaRPr lang="hr-HR" sz="2100" b="1" dirty="0"/>
+          </a:p>
+        </p:txBody>
+      </p:sp>
+      <p:sp>
+        <p:nvSpPr>
+          <p:cNvPr id="9" name="Zaobljeni pravokutnik 8"/>
+          <p:cNvSpPr/>
+          <p:nvPr/>
+        </p:nvSpPr>
+        <p:spPr>
+          <a:xfrm>
+            <a:off x="6692723" y="4639782"/>
+            <a:ext cx="2086377" cy="1287887"/>
+          </a:xfrm>
+          <a:prstGeom prst="roundRect">
+            <a:avLst/>
+          </a:prstGeom>
+          <a:ln>
+            <a:solidFill>
+              <a:schemeClr val="tx1"/>
+            </a:solidFill>
+          </a:ln>
+        </p:spPr>
+        <p:style>
+          <a:lnRef idx="2">
+            <a:schemeClr val="accent1">
+              <a:shade val="50000"/>
+            </a:schemeClr>
+          </a:lnRef>
+          <a:fillRef idx="1">
+            <a:schemeClr val="accent1"/>
+          </a:fillRef>
+          <a:effectRef idx="0">
+            <a:schemeClr val="accent1"/>
+          </a:effectRef>
+          <a:fontRef idx="minor">
+            <a:schemeClr val="lt1"/>
+          </a:fontRef>
+        </p:style>
+        <p:txBody>
+          <a:bodyPr rtlCol="0" anchor="ctr"/>
+          <a:lstStyle/>
+          <a:p>
+            <a:pPr algn="ctr"/>
+            <a:r>
+              <a:rPr lang="hr-HR" sz="2100" b="1" dirty="0" smtClean="0"/>
+              <a:t>Rezultat pogleda</a:t>
+            </a:r>
+            <a:endParaRPr lang="hr-HR" sz="2100" b="1" dirty="0"/>
+          </a:p>
+        </p:txBody>
+      </p:sp>
+      <p:sp>
+        <p:nvSpPr>
+          <p:cNvPr id="10" name="Zaobljeni pravokutnik 9"/>
+          <p:cNvSpPr/>
+          <p:nvPr/>
+        </p:nvSpPr>
+        <p:spPr>
+          <a:xfrm>
+            <a:off x="3563153" y="4572176"/>
+            <a:ext cx="2086377" cy="1287887"/>
+          </a:xfrm>
+          <a:prstGeom prst="roundRect">
+            <a:avLst/>
+          </a:prstGeom>
+          <a:ln>
+            <a:solidFill>
+              <a:schemeClr val="tx1"/>
+            </a:solidFill>
+          </a:ln>
+        </p:spPr>
+        <p:style>
+          <a:lnRef idx="2">
+            <a:schemeClr val="accent1">
+              <a:shade val="50000"/>
+            </a:schemeClr>
+          </a:lnRef>
+          <a:fillRef idx="1">
+            <a:schemeClr val="accent1"/>
+          </a:fillRef>
+          <a:effectRef idx="0">
+            <a:schemeClr val="accent1"/>
+          </a:effectRef>
+          <a:fontRef idx="minor">
+            <a:schemeClr val="lt1"/>
+          </a:fontRef>
+        </p:style>
+        <p:txBody>
+          <a:bodyPr rtlCol="0" anchor="ctr"/>
+          <a:lstStyle/>
+          <a:p>
+            <a:pPr algn="ctr"/>
+            <a:r>
+              <a:rPr lang="hr-HR" sz="2100" b="1" dirty="0" smtClean="0"/>
+              <a:t>Skup klasa za prikaz pogleda</a:t>
+            </a:r>
+            <a:endParaRPr lang="hr-HR" sz="2100" b="1" dirty="0"/>
+          </a:p>
+        </p:txBody>
+      </p:sp>
+      <p:sp>
+        <p:nvSpPr>
+          <p:cNvPr id="11" name="Zaobljeni pravokutnik 10"/>
+          <p:cNvSpPr/>
+          <p:nvPr/>
+        </p:nvSpPr>
+        <p:spPr>
+          <a:xfrm>
+            <a:off x="461493" y="4572176"/>
+            <a:ext cx="2086377" cy="1287887"/>
+          </a:xfrm>
+          <a:prstGeom prst="roundRect">
+            <a:avLst/>
+          </a:prstGeom>
+          <a:ln>
+            <a:solidFill>
+              <a:schemeClr val="tx1"/>
+            </a:solidFill>
+          </a:ln>
+        </p:spPr>
+        <p:style>
+          <a:lnRef idx="2">
+            <a:schemeClr val="accent1">
+              <a:shade val="50000"/>
+            </a:schemeClr>
+          </a:lnRef>
+          <a:fillRef idx="1">
+            <a:schemeClr val="accent1"/>
+          </a:fillRef>
+          <a:effectRef idx="0">
+            <a:schemeClr val="accent1"/>
+          </a:effectRef>
+          <a:fontRef idx="minor">
+            <a:schemeClr val="lt1"/>
+          </a:fontRef>
+        </p:style>
+        <p:txBody>
+          <a:bodyPr rtlCol="0" anchor="ctr"/>
+          <a:lstStyle/>
+          <a:p>
+            <a:pPr algn="ctr"/>
+            <a:r>
+              <a:rPr lang="hr-HR" sz="2100" b="1" dirty="0" smtClean="0"/>
+              <a:t>Pogled</a:t>
+            </a:r>
+            <a:endParaRPr lang="hr-HR" sz="2100" b="1" dirty="0"/>
+          </a:p>
+        </p:txBody>
+      </p:sp>
+      <p:sp>
+        <p:nvSpPr>
+          <p:cNvPr id="12" name="Zaobljeni pravokutnik 11"/>
+          <p:cNvSpPr/>
+          <p:nvPr/>
+        </p:nvSpPr>
+        <p:spPr>
+          <a:xfrm>
+            <a:off x="461491" y="2745524"/>
+            <a:ext cx="2086377" cy="1287887"/>
+          </a:xfrm>
+          <a:prstGeom prst="roundRect">
+            <a:avLst/>
+          </a:prstGeom>
+          <a:ln>
+            <a:solidFill>
+              <a:schemeClr val="tx1"/>
+            </a:solidFill>
+          </a:ln>
+        </p:spPr>
+        <p:style>
+          <a:lnRef idx="2">
+            <a:schemeClr val="accent1">
+              <a:shade val="50000"/>
+            </a:schemeClr>
+          </a:lnRef>
+          <a:fillRef idx="1">
+            <a:schemeClr val="accent1"/>
+          </a:fillRef>
+          <a:effectRef idx="0">
+            <a:schemeClr val="accent1"/>
+          </a:effectRef>
+          <a:fontRef idx="minor">
+            <a:schemeClr val="lt1"/>
+          </a:fontRef>
+        </p:style>
+        <p:txBody>
+          <a:bodyPr rtlCol="0" anchor="ctr"/>
+          <a:lstStyle/>
+          <a:p>
+            <a:pPr algn="ctr"/>
+            <a:r>
+              <a:rPr lang="hr-HR" sz="2100" b="1" dirty="0" smtClean="0"/>
+              <a:t>Odgovor</a:t>
+            </a:r>
+            <a:endParaRPr lang="hr-HR" sz="2100" b="1" dirty="0"/>
+          </a:p>
+        </p:txBody>
+      </p:sp>
+      <p:sp>
+        <p:nvSpPr>
+          <p:cNvPr id="13" name="Strelica udesno 12"/>
+          <p:cNvSpPr/>
+          <p:nvPr/>
+        </p:nvSpPr>
+        <p:spPr>
+          <a:xfrm>
+            <a:off x="2547868" y="1347091"/>
+            <a:ext cx="1015285" cy="476518"/>
+          </a:xfrm>
+          <a:prstGeom prst="rightArrow">
+            <a:avLst/>
+          </a:prstGeom>
+          <a:ln>
+            <a:solidFill>
+              <a:schemeClr val="tx1"/>
+            </a:solidFill>
+          </a:ln>
+        </p:spPr>
+        <p:style>
+          <a:lnRef idx="2">
+            <a:schemeClr val="accent1">
+              <a:shade val="50000"/>
+            </a:schemeClr>
+          </a:lnRef>
+          <a:fillRef idx="1">
+            <a:schemeClr val="accent1"/>
+          </a:fillRef>
+          <a:effectRef idx="0">
+            <a:schemeClr val="accent1"/>
+          </a:effectRef>
+          <a:fontRef idx="minor">
+            <a:schemeClr val="lt1"/>
+          </a:fontRef>
+        </p:style>
+        <p:txBody>
+          <a:bodyPr rtlCol="0" anchor="ctr"/>
+          <a:lstStyle/>
+          <a:p>
+            <a:pPr algn="ctr"/>
+            <a:endParaRPr lang="hr-HR" sz="2100" b="1"/>
+          </a:p>
+        </p:txBody>
+      </p:sp>
+      <p:sp>
+        <p:nvSpPr>
+          <p:cNvPr id="14" name="Strelica udesno 13"/>
+          <p:cNvSpPr/>
+          <p:nvPr/>
+        </p:nvSpPr>
+        <p:spPr>
+          <a:xfrm>
+            <a:off x="5664556" y="1349239"/>
+            <a:ext cx="1000261" cy="476518"/>
+          </a:xfrm>
+          <a:prstGeom prst="rightArrow">
+            <a:avLst/>
+          </a:prstGeom>
+          <a:ln>
+            <a:solidFill>
+              <a:schemeClr val="tx1"/>
+            </a:solidFill>
+          </a:ln>
+        </p:spPr>
+        <p:style>
+          <a:lnRef idx="2">
+            <a:schemeClr val="accent1">
+              <a:shade val="50000"/>
+            </a:schemeClr>
+          </a:lnRef>
+          <a:fillRef idx="1">
+            <a:schemeClr val="accent1"/>
+          </a:fillRef>
+          <a:effectRef idx="0">
+            <a:schemeClr val="accent1"/>
+          </a:effectRef>
+          <a:fontRef idx="minor">
+            <a:schemeClr val="lt1"/>
+          </a:fontRef>
+        </p:style>
+        <p:txBody>
+          <a:bodyPr rtlCol="0" anchor="ctr"/>
+          <a:lstStyle/>
+          <a:p>
+            <a:pPr algn="ctr"/>
+            <a:endParaRPr lang="hr-HR" sz="2100" b="1"/>
+          </a:p>
+        </p:txBody>
+      </p:sp>
+      <p:sp>
+        <p:nvSpPr>
+          <p:cNvPr id="15" name="Strelica udesno 14"/>
+          <p:cNvSpPr/>
+          <p:nvPr/>
+        </p:nvSpPr>
+        <p:spPr>
+          <a:xfrm>
+            <a:off x="8751194" y="1347091"/>
+            <a:ext cx="1015285" cy="476518"/>
+          </a:xfrm>
+          <a:prstGeom prst="rightArrow">
+            <a:avLst/>
+          </a:prstGeom>
+          <a:ln>
+            <a:solidFill>
+              <a:schemeClr val="tx1"/>
+            </a:solidFill>
+          </a:ln>
+        </p:spPr>
+        <p:style>
+          <a:lnRef idx="2">
+            <a:schemeClr val="accent1">
+              <a:shade val="50000"/>
+            </a:schemeClr>
+          </a:lnRef>
+          <a:fillRef idx="1">
+            <a:schemeClr val="accent1"/>
+          </a:fillRef>
+          <a:effectRef idx="0">
+            <a:schemeClr val="accent1"/>
+          </a:effectRef>
+          <a:fontRef idx="minor">
+            <a:schemeClr val="lt1"/>
+          </a:fontRef>
+        </p:style>
+        <p:txBody>
+          <a:bodyPr rtlCol="0" anchor="ctr"/>
+          <a:lstStyle/>
+          <a:p>
+            <a:pPr algn="ctr"/>
+            <a:endParaRPr lang="hr-HR" sz="2100" b="1"/>
+          </a:p>
+        </p:txBody>
+      </p:sp>
+      <p:sp>
+        <p:nvSpPr>
+          <p:cNvPr id="17" name="Strelica udesno 16"/>
+          <p:cNvSpPr/>
+          <p:nvPr/>
+        </p:nvSpPr>
+        <p:spPr>
+          <a:xfrm rot="10800000">
+            <a:off x="5649530" y="4953893"/>
+            <a:ext cx="1000261" cy="476518"/>
+          </a:xfrm>
+          <a:prstGeom prst="rightArrow">
+            <a:avLst/>
+          </a:prstGeom>
+          <a:ln>
+            <a:solidFill>
+              <a:schemeClr val="tx1"/>
+            </a:solidFill>
+          </a:ln>
+        </p:spPr>
+        <p:style>
+          <a:lnRef idx="2">
+            <a:schemeClr val="accent1">
+              <a:shade val="50000"/>
+            </a:schemeClr>
+          </a:lnRef>
+          <a:fillRef idx="1">
+            <a:schemeClr val="accent1"/>
+          </a:fillRef>
+          <a:effectRef idx="0">
+            <a:schemeClr val="accent1"/>
+          </a:effectRef>
+          <a:fontRef idx="minor">
+            <a:schemeClr val="lt1"/>
+          </a:fontRef>
+        </p:style>
+        <p:txBody>
+          <a:bodyPr rtlCol="0" anchor="ctr"/>
+          <a:lstStyle/>
+          <a:p>
+            <a:pPr algn="ctr"/>
+            <a:endParaRPr lang="hr-HR" sz="2100" b="1"/>
+          </a:p>
+        </p:txBody>
+      </p:sp>
+      <p:sp>
+        <p:nvSpPr>
+          <p:cNvPr id="18" name="Strelica udesno 17"/>
+          <p:cNvSpPr/>
+          <p:nvPr/>
+        </p:nvSpPr>
+        <p:spPr>
+          <a:xfrm rot="10800000">
+            <a:off x="8779099" y="4979819"/>
+            <a:ext cx="1015285" cy="476518"/>
+          </a:xfrm>
+          <a:prstGeom prst="rightArrow">
+            <a:avLst/>
+          </a:prstGeom>
+          <a:ln>
+            <a:solidFill>
+              <a:schemeClr val="tx1"/>
+            </a:solidFill>
+          </a:ln>
+        </p:spPr>
+        <p:style>
+          <a:lnRef idx="2">
+            <a:schemeClr val="accent1">
+              <a:shade val="50000"/>
+            </a:schemeClr>
+          </a:lnRef>
+          <a:fillRef idx="1">
+            <a:schemeClr val="accent1"/>
+          </a:fillRef>
+          <a:effectRef idx="0">
+            <a:schemeClr val="accent1"/>
+          </a:effectRef>
+          <a:fontRef idx="minor">
+            <a:schemeClr val="lt1"/>
+          </a:fontRef>
+        </p:style>
+        <p:txBody>
+          <a:bodyPr rtlCol="0" anchor="ctr"/>
+          <a:lstStyle/>
+          <a:p>
+            <a:pPr algn="ctr"/>
+            <a:endParaRPr lang="hr-HR" sz="2100" b="1"/>
+          </a:p>
+        </p:txBody>
+      </p:sp>
+      <p:sp>
+        <p:nvSpPr>
+          <p:cNvPr id="19" name="Strelica udesno 18"/>
+          <p:cNvSpPr/>
+          <p:nvPr/>
+        </p:nvSpPr>
+        <p:spPr>
+          <a:xfrm rot="5400000">
+            <a:off x="10570106" y="2239802"/>
+            <a:ext cx="534932" cy="476518"/>
+          </a:xfrm>
+          <a:prstGeom prst="rightArrow">
+            <a:avLst/>
+          </a:prstGeom>
+          <a:ln>
+            <a:solidFill>
+              <a:schemeClr val="tx1"/>
+            </a:solidFill>
+          </a:ln>
+        </p:spPr>
+        <p:style>
+          <a:lnRef idx="2">
+            <a:schemeClr val="accent1">
+              <a:shade val="50000"/>
+            </a:schemeClr>
+          </a:lnRef>
+          <a:fillRef idx="1">
+            <a:schemeClr val="accent1"/>
+          </a:fillRef>
+          <a:effectRef idx="0">
+            <a:schemeClr val="accent1"/>
+          </a:effectRef>
+          <a:fontRef idx="minor">
+            <a:schemeClr val="lt1"/>
+          </a:fontRef>
+        </p:style>
+        <p:txBody>
+          <a:bodyPr rtlCol="0" anchor="ctr"/>
+          <a:lstStyle/>
+          <a:p>
+            <a:pPr algn="ctr"/>
+            <a:endParaRPr lang="hr-HR" sz="2100" b="1"/>
+          </a:p>
+        </p:txBody>
+      </p:sp>
+      <p:sp>
+        <p:nvSpPr>
+          <p:cNvPr id="20" name="Strelica udesno 19"/>
+          <p:cNvSpPr/>
+          <p:nvPr/>
+        </p:nvSpPr>
+        <p:spPr>
+          <a:xfrm rot="5400000">
+            <a:off x="10570106" y="4062617"/>
+            <a:ext cx="534932" cy="476518"/>
+          </a:xfrm>
+          <a:prstGeom prst="rightArrow">
+            <a:avLst/>
+          </a:prstGeom>
+          <a:ln>
+            <a:solidFill>
+              <a:schemeClr val="tx1"/>
+            </a:solidFill>
+          </a:ln>
+        </p:spPr>
+        <p:style>
+          <a:lnRef idx="2">
+            <a:schemeClr val="accent1">
+              <a:shade val="50000"/>
+            </a:schemeClr>
+          </a:lnRef>
+          <a:fillRef idx="1">
+            <a:schemeClr val="accent1"/>
+          </a:fillRef>
+          <a:effectRef idx="0">
+            <a:schemeClr val="accent1"/>
+          </a:effectRef>
+          <a:fontRef idx="minor">
+            <a:schemeClr val="lt1"/>
+          </a:fontRef>
+        </p:style>
+        <p:txBody>
+          <a:bodyPr rtlCol="0" anchor="ctr"/>
+          <a:lstStyle/>
+          <a:p>
+            <a:pPr algn="ctr"/>
+            <a:endParaRPr lang="hr-HR" sz="2100" b="1"/>
+          </a:p>
+        </p:txBody>
+      </p:sp>
+      <p:sp>
+        <p:nvSpPr>
+          <p:cNvPr id="21" name="Strelica udesno 20"/>
+          <p:cNvSpPr/>
+          <p:nvPr/>
+        </p:nvSpPr>
+        <p:spPr>
+          <a:xfrm rot="10800000">
+            <a:off x="2562892" y="4977860"/>
+            <a:ext cx="1000261" cy="476518"/>
+          </a:xfrm>
+          <a:prstGeom prst="rightArrow">
+            <a:avLst/>
+          </a:prstGeom>
+          <a:ln>
+            <a:solidFill>
+              <a:schemeClr val="tx1"/>
+            </a:solidFill>
+          </a:ln>
+        </p:spPr>
+        <p:style>
+          <a:lnRef idx="2">
+            <a:schemeClr val="accent1">
+              <a:shade val="50000"/>
+            </a:schemeClr>
+          </a:lnRef>
+          <a:fillRef idx="1">
+            <a:schemeClr val="accent1"/>
+          </a:fillRef>
+          <a:effectRef idx="0">
+            <a:schemeClr val="accent1"/>
+          </a:effectRef>
+          <a:fontRef idx="minor">
+            <a:schemeClr val="lt1"/>
+          </a:fontRef>
+        </p:style>
+        <p:txBody>
+          <a:bodyPr rtlCol="0" anchor="ctr"/>
+          <a:lstStyle/>
+          <a:p>
+            <a:pPr algn="ctr"/>
+            <a:endParaRPr lang="hr-HR" sz="2100" b="1"/>
+          </a:p>
+        </p:txBody>
+      </p:sp>
+      <p:sp>
+        <p:nvSpPr>
+          <p:cNvPr id="22" name="Strelica udesno 21"/>
+          <p:cNvSpPr/>
+          <p:nvPr/>
+        </p:nvSpPr>
+        <p:spPr>
+          <a:xfrm rot="16200000">
+            <a:off x="1237213" y="4062618"/>
+            <a:ext cx="534932" cy="476518"/>
+          </a:xfrm>
+          <a:prstGeom prst="rightArrow">
+            <a:avLst/>
+          </a:prstGeom>
+          <a:ln>
+            <a:solidFill>
+              <a:schemeClr val="tx1"/>
+            </a:solidFill>
+          </a:ln>
+        </p:spPr>
+        <p:style>
+          <a:lnRef idx="2">
+            <a:schemeClr val="accent1">
+              <a:shade val="50000"/>
+            </a:schemeClr>
+          </a:lnRef>
+          <a:fillRef idx="1">
+            <a:schemeClr val="accent1"/>
+          </a:fillRef>
+          <a:effectRef idx="0">
+            <a:schemeClr val="accent1"/>
+          </a:effectRef>
+          <a:fontRef idx="minor">
+            <a:schemeClr val="lt1"/>
+          </a:fontRef>
+        </p:style>
+        <p:txBody>
+          <a:bodyPr rtlCol="0" anchor="ctr"/>
+          <a:lstStyle/>
+          <a:p>
+            <a:pPr algn="ctr"/>
+            <a:endParaRPr lang="hr-HR" sz="2100" b="1"/>
+          </a:p>
+        </p:txBody>
+      </p:sp>
+      <p:sp>
+        <p:nvSpPr>
+          <p:cNvPr id="23" name="Strelica udesno 22"/>
+          <p:cNvSpPr/>
+          <p:nvPr/>
+        </p:nvSpPr>
+        <p:spPr>
+          <a:xfrm rot="16200000">
+            <a:off x="1237213" y="2237883"/>
+            <a:ext cx="534932" cy="476518"/>
+          </a:xfrm>
+          <a:prstGeom prst="rightArrow">
+            <a:avLst/>
+          </a:prstGeom>
+          <a:ln>
+            <a:solidFill>
+              <a:schemeClr val="tx1"/>
+            </a:solidFill>
+          </a:ln>
+        </p:spPr>
+        <p:style>
+          <a:lnRef idx="2">
+            <a:schemeClr val="accent1">
+              <a:shade val="50000"/>
+            </a:schemeClr>
+          </a:lnRef>
+          <a:fillRef idx="1">
+            <a:schemeClr val="accent1"/>
+          </a:fillRef>
+          <a:effectRef idx="0">
+            <a:schemeClr val="accent1"/>
+          </a:effectRef>
+          <a:fontRef idx="minor">
+            <a:schemeClr val="lt1"/>
+          </a:fontRef>
+        </p:style>
+        <p:txBody>
+          <a:bodyPr rtlCol="0" anchor="ctr"/>
+          <a:lstStyle/>
+          <a:p>
+            <a:pPr algn="ctr"/>
+            <a:endParaRPr lang="hr-HR" sz="2100" b="1"/>
+          </a:p>
+        </p:txBody>
+      </p:sp>
+    </p:spTree>
+    <p:extLst>
+      <p:ext uri="{BB962C8B-B14F-4D97-AF65-F5344CB8AC3E}">
+        <p14:creationId xmlns:p14="http://schemas.microsoft.com/office/powerpoint/2010/main" val="1806131919"/>
+      </p:ext>
+    </p:extLst>
+  </p:cSld>
+  <p:clrMapOvr>
+    <a:masterClrMapping/>
+  </p:clrMapOvr>
+</p:sld>
+</file>
+
 <file path=ppt/theme/theme1.xml><?xml version="1.0" encoding="utf-8"?>
 <a:theme xmlns:a="http://schemas.openxmlformats.org/drawingml/2006/main" name="Tema sustava Office">
   <a:themeElements>

--- a/TEKST/DIJAGRAMI.pptx
+++ b/TEKST/DIJAGRAMI.pptx
@@ -7,6 +7,7 @@
   <p:sldIdLst>
     <p:sldId id="257" r:id="rId2"/>
     <p:sldId id="258" r:id="rId3"/>
+    <p:sldId id="259" r:id="rId4"/>
   </p:sldIdLst>
   <p:sldSz cx="12192000" cy="6858000"/>
   <p:notesSz cx="6858000" cy="9144000"/>
@@ -244,7 +245,7 @@
           <a:p>
             <a:fld id="{DEE53EB1-81EC-4AF8-9608-D8FC8B33BFCF}" type="datetimeFigureOut">
               <a:rPr lang="hr-HR" smtClean="0"/>
-              <a:t>3.6.2015.</a:t>
+              <a:t>6.6.2015.</a:t>
             </a:fld>
             <a:endParaRPr lang="hr-HR"/>
           </a:p>
@@ -414,7 +415,7 @@
           <a:p>
             <a:fld id="{DEE53EB1-81EC-4AF8-9608-D8FC8B33BFCF}" type="datetimeFigureOut">
               <a:rPr lang="hr-HR" smtClean="0"/>
-              <a:t>3.6.2015.</a:t>
+              <a:t>6.6.2015.</a:t>
             </a:fld>
             <a:endParaRPr lang="hr-HR"/>
           </a:p>
@@ -594,7 +595,7 @@
           <a:p>
             <a:fld id="{DEE53EB1-81EC-4AF8-9608-D8FC8B33BFCF}" type="datetimeFigureOut">
               <a:rPr lang="hr-HR" smtClean="0"/>
-              <a:t>3.6.2015.</a:t>
+              <a:t>6.6.2015.</a:t>
             </a:fld>
             <a:endParaRPr lang="hr-HR"/>
           </a:p>
@@ -764,7 +765,7 @@
           <a:p>
             <a:fld id="{DEE53EB1-81EC-4AF8-9608-D8FC8B33BFCF}" type="datetimeFigureOut">
               <a:rPr lang="hr-HR" smtClean="0"/>
-              <a:t>3.6.2015.</a:t>
+              <a:t>6.6.2015.</a:t>
             </a:fld>
             <a:endParaRPr lang="hr-HR"/>
           </a:p>
@@ -1010,7 +1011,7 @@
           <a:p>
             <a:fld id="{DEE53EB1-81EC-4AF8-9608-D8FC8B33BFCF}" type="datetimeFigureOut">
               <a:rPr lang="hr-HR" smtClean="0"/>
-              <a:t>3.6.2015.</a:t>
+              <a:t>6.6.2015.</a:t>
             </a:fld>
             <a:endParaRPr lang="hr-HR"/>
           </a:p>
@@ -1242,7 +1243,7 @@
           <a:p>
             <a:fld id="{DEE53EB1-81EC-4AF8-9608-D8FC8B33BFCF}" type="datetimeFigureOut">
               <a:rPr lang="hr-HR" smtClean="0"/>
-              <a:t>3.6.2015.</a:t>
+              <a:t>6.6.2015.</a:t>
             </a:fld>
             <a:endParaRPr lang="hr-HR"/>
           </a:p>
@@ -1609,7 +1610,7 @@
           <a:p>
             <a:fld id="{DEE53EB1-81EC-4AF8-9608-D8FC8B33BFCF}" type="datetimeFigureOut">
               <a:rPr lang="hr-HR" smtClean="0"/>
-              <a:t>3.6.2015.</a:t>
+              <a:t>6.6.2015.</a:t>
             </a:fld>
             <a:endParaRPr lang="hr-HR"/>
           </a:p>
@@ -1727,7 +1728,7 @@
           <a:p>
             <a:fld id="{DEE53EB1-81EC-4AF8-9608-D8FC8B33BFCF}" type="datetimeFigureOut">
               <a:rPr lang="hr-HR" smtClean="0"/>
-              <a:t>3.6.2015.</a:t>
+              <a:t>6.6.2015.</a:t>
             </a:fld>
             <a:endParaRPr lang="hr-HR"/>
           </a:p>
@@ -1822,7 +1823,7 @@
           <a:p>
             <a:fld id="{DEE53EB1-81EC-4AF8-9608-D8FC8B33BFCF}" type="datetimeFigureOut">
               <a:rPr lang="hr-HR" smtClean="0"/>
-              <a:t>3.6.2015.</a:t>
+              <a:t>6.6.2015.</a:t>
             </a:fld>
             <a:endParaRPr lang="hr-HR"/>
           </a:p>
@@ -2099,7 +2100,7 @@
           <a:p>
             <a:fld id="{DEE53EB1-81EC-4AF8-9608-D8FC8B33BFCF}" type="datetimeFigureOut">
               <a:rPr lang="hr-HR" smtClean="0"/>
-              <a:t>3.6.2015.</a:t>
+              <a:t>6.6.2015.</a:t>
             </a:fld>
             <a:endParaRPr lang="hr-HR"/>
           </a:p>
@@ -2352,7 +2353,7 @@
           <a:p>
             <a:fld id="{DEE53EB1-81EC-4AF8-9608-D8FC8B33BFCF}" type="datetimeFigureOut">
               <a:rPr lang="hr-HR" smtClean="0"/>
-              <a:t>3.6.2015.</a:t>
+              <a:t>6.6.2015.</a:t>
             </a:fld>
             <a:endParaRPr lang="hr-HR"/>
           </a:p>
@@ -2565,7 +2566,7 @@
           <a:p>
             <a:fld id="{DEE53EB1-81EC-4AF8-9608-D8FC8B33BFCF}" type="datetimeFigureOut">
               <a:rPr lang="hr-HR" smtClean="0"/>
-              <a:t>3.6.2015.</a:t>
+              <a:t>6.6.2015.</a:t>
             </a:fld>
             <a:endParaRPr lang="hr-HR"/>
           </a:p>
@@ -4663,6 +4664,1202 @@
 </p:sld>
 </file>
 
+<file path=ppt/slides/slide3.xml><?xml version="1.0" encoding="utf-8"?>
+<p:sld xmlns:a="http://schemas.openxmlformats.org/drawingml/2006/main" xmlns:r="http://schemas.openxmlformats.org/officeDocument/2006/relationships" xmlns:p="http://schemas.openxmlformats.org/presentationml/2006/main">
+  <p:cSld>
+    <p:spTree>
+      <p:nvGrpSpPr>
+        <p:cNvPr id="1" name=""/>
+        <p:cNvGrpSpPr/>
+        <p:nvPr/>
+      </p:nvGrpSpPr>
+      <p:grpSpPr>
+        <a:xfrm>
+          <a:off x="0" y="0"/>
+          <a:ext cx="0" cy="0"/>
+          <a:chOff x="0" y="0"/>
+          <a:chExt cx="0" cy="0"/>
+        </a:xfrm>
+      </p:grpSpPr>
+      <p:sp>
+        <p:nvSpPr>
+          <p:cNvPr id="2" name="Zaobljeni pravokutnik 1"/>
+          <p:cNvSpPr/>
+          <p:nvPr/>
+        </p:nvSpPr>
+        <p:spPr>
+          <a:xfrm>
+            <a:off x="0" y="5550793"/>
+            <a:ext cx="12192000" cy="684000"/>
+          </a:xfrm>
+          <a:prstGeom prst="roundRect">
+            <a:avLst/>
+          </a:prstGeom>
+          <a:ln>
+            <a:solidFill>
+              <a:schemeClr val="tx1"/>
+            </a:solidFill>
+          </a:ln>
+        </p:spPr>
+        <p:style>
+          <a:lnRef idx="2">
+            <a:schemeClr val="accent1">
+              <a:shade val="50000"/>
+            </a:schemeClr>
+          </a:lnRef>
+          <a:fillRef idx="1">
+            <a:schemeClr val="accent1"/>
+          </a:fillRef>
+          <a:effectRef idx="0">
+            <a:schemeClr val="accent1"/>
+          </a:effectRef>
+          <a:fontRef idx="minor">
+            <a:schemeClr val="lt1"/>
+          </a:fontRef>
+        </p:style>
+        <p:txBody>
+          <a:bodyPr rtlCol="0" anchor="ctr"/>
+          <a:lstStyle/>
+          <a:p>
+            <a:pPr algn="ctr"/>
+            <a:r>
+              <a:rPr lang="hr-HR" b="1" dirty="0" smtClean="0"/>
+              <a:t>Operacijski sustav</a:t>
+            </a:r>
+            <a:endParaRPr lang="hr-HR" b="1" dirty="0"/>
+          </a:p>
+        </p:txBody>
+      </p:sp>
+      <p:sp>
+        <p:nvSpPr>
+          <p:cNvPr id="3" name="Zaobljeni pravokutnik 2"/>
+          <p:cNvSpPr/>
+          <p:nvPr/>
+        </p:nvSpPr>
+        <p:spPr>
+          <a:xfrm>
+            <a:off x="0" y="4685760"/>
+            <a:ext cx="12192000" cy="684000"/>
+          </a:xfrm>
+          <a:prstGeom prst="roundRect">
+            <a:avLst/>
+          </a:prstGeom>
+          <a:ln>
+            <a:solidFill>
+              <a:schemeClr val="tx1"/>
+            </a:solidFill>
+          </a:ln>
+        </p:spPr>
+        <p:style>
+          <a:lnRef idx="2">
+            <a:schemeClr val="accent1">
+              <a:shade val="50000"/>
+            </a:schemeClr>
+          </a:lnRef>
+          <a:fillRef idx="1">
+            <a:schemeClr val="accent1"/>
+          </a:fillRef>
+          <a:effectRef idx="0">
+            <a:schemeClr val="accent1"/>
+          </a:effectRef>
+          <a:fontRef idx="minor">
+            <a:schemeClr val="lt1"/>
+          </a:fontRef>
+        </p:style>
+        <p:txBody>
+          <a:bodyPr rtlCol="0" anchor="ctr"/>
+          <a:lstStyle/>
+          <a:p>
+            <a:pPr algn="ctr"/>
+            <a:r>
+              <a:rPr lang="hr-HR" b="1" dirty="0" err="1" smtClean="0"/>
+              <a:t>Common</a:t>
+            </a:r>
+            <a:r>
+              <a:rPr lang="hr-HR" b="1" dirty="0" smtClean="0"/>
+              <a:t> </a:t>
+            </a:r>
+            <a:r>
+              <a:rPr lang="hr-HR" b="1" dirty="0" err="1" smtClean="0"/>
+              <a:t>Language</a:t>
+            </a:r>
+            <a:r>
+              <a:rPr lang="hr-HR" b="1" dirty="0" smtClean="0"/>
+              <a:t> </a:t>
+            </a:r>
+            <a:r>
+              <a:rPr lang="hr-HR" b="1" dirty="0" err="1" smtClean="0"/>
+              <a:t>Runtime</a:t>
+            </a:r>
+            <a:r>
+              <a:rPr lang="hr-HR" b="1" dirty="0" smtClean="0"/>
+              <a:t> (CLR)</a:t>
+            </a:r>
+            <a:endParaRPr lang="hr-HR" b="1" dirty="0"/>
+          </a:p>
+        </p:txBody>
+      </p:sp>
+      <p:sp>
+        <p:nvSpPr>
+          <p:cNvPr id="4" name="Zaobljeni pravokutnik 3"/>
+          <p:cNvSpPr/>
+          <p:nvPr/>
+        </p:nvSpPr>
+        <p:spPr>
+          <a:xfrm>
+            <a:off x="10735" y="3666186"/>
+            <a:ext cx="1418820" cy="682580"/>
+          </a:xfrm>
+          <a:prstGeom prst="roundRect">
+            <a:avLst/>
+          </a:prstGeom>
+          <a:ln>
+            <a:solidFill>
+              <a:schemeClr val="tx1"/>
+            </a:solidFill>
+          </a:ln>
+        </p:spPr>
+        <p:style>
+          <a:lnRef idx="2">
+            <a:schemeClr val="accent1">
+              <a:shade val="50000"/>
+            </a:schemeClr>
+          </a:lnRef>
+          <a:fillRef idx="1">
+            <a:schemeClr val="accent1"/>
+          </a:fillRef>
+          <a:effectRef idx="0">
+            <a:schemeClr val="accent1"/>
+          </a:effectRef>
+          <a:fontRef idx="minor">
+            <a:schemeClr val="lt1"/>
+          </a:fontRef>
+        </p:style>
+        <p:txBody>
+          <a:bodyPr rtlCol="0" anchor="ctr"/>
+          <a:lstStyle/>
+          <a:p>
+            <a:pPr algn="ctr"/>
+            <a:r>
+              <a:rPr lang="hr-HR" b="1" dirty="0" smtClean="0"/>
+              <a:t>Base </a:t>
+            </a:r>
+            <a:r>
+              <a:rPr lang="hr-HR" b="1" dirty="0" err="1" smtClean="0"/>
+              <a:t>Class</a:t>
+            </a:r>
+            <a:r>
+              <a:rPr lang="hr-HR" b="1" dirty="0" smtClean="0"/>
+              <a:t> </a:t>
+            </a:r>
+            <a:r>
+              <a:rPr lang="hr-HR" b="1" dirty="0" err="1" smtClean="0"/>
+              <a:t>Library</a:t>
+            </a:r>
+            <a:endParaRPr lang="hr-HR" b="1" dirty="0"/>
+          </a:p>
+        </p:txBody>
+      </p:sp>
+      <p:sp>
+        <p:nvSpPr>
+          <p:cNvPr id="5" name="Zaobljeni pravokutnik 4"/>
+          <p:cNvSpPr/>
+          <p:nvPr/>
+        </p:nvSpPr>
+        <p:spPr>
+          <a:xfrm>
+            <a:off x="1921098" y="3666186"/>
+            <a:ext cx="1622738" cy="682580"/>
+          </a:xfrm>
+          <a:prstGeom prst="roundRect">
+            <a:avLst/>
+          </a:prstGeom>
+          <a:ln>
+            <a:solidFill>
+              <a:schemeClr val="tx1"/>
+            </a:solidFill>
+          </a:ln>
+        </p:spPr>
+        <p:style>
+          <a:lnRef idx="2">
+            <a:schemeClr val="accent1">
+              <a:shade val="50000"/>
+            </a:schemeClr>
+          </a:lnRef>
+          <a:fillRef idx="1">
+            <a:schemeClr val="accent1"/>
+          </a:fillRef>
+          <a:effectRef idx="0">
+            <a:schemeClr val="accent1"/>
+          </a:effectRef>
+          <a:fontRef idx="minor">
+            <a:schemeClr val="lt1"/>
+          </a:fontRef>
+        </p:style>
+        <p:txBody>
+          <a:bodyPr rtlCol="0" anchor="ctr"/>
+          <a:lstStyle/>
+          <a:p>
+            <a:pPr algn="ctr"/>
+            <a:r>
+              <a:rPr lang="hr-HR" b="1" dirty="0" smtClean="0"/>
+              <a:t>Programski jezici (C#, itd.)</a:t>
+            </a:r>
+            <a:endParaRPr lang="hr-HR" b="1" dirty="0"/>
+          </a:p>
+        </p:txBody>
+      </p:sp>
+      <p:sp>
+        <p:nvSpPr>
+          <p:cNvPr id="6" name="Zaobljeni pravokutnik 5"/>
+          <p:cNvSpPr/>
+          <p:nvPr/>
+        </p:nvSpPr>
+        <p:spPr>
+          <a:xfrm>
+            <a:off x="3996742" y="3666186"/>
+            <a:ext cx="2016000" cy="682580"/>
+          </a:xfrm>
+          <a:prstGeom prst="roundRect">
+            <a:avLst/>
+          </a:prstGeom>
+          <a:ln>
+            <a:solidFill>
+              <a:schemeClr val="tx1"/>
+            </a:solidFill>
+          </a:ln>
+        </p:spPr>
+        <p:style>
+          <a:lnRef idx="2">
+            <a:schemeClr val="accent1">
+              <a:shade val="50000"/>
+            </a:schemeClr>
+          </a:lnRef>
+          <a:fillRef idx="1">
+            <a:schemeClr val="accent1"/>
+          </a:fillRef>
+          <a:effectRef idx="0">
+            <a:schemeClr val="accent1"/>
+          </a:effectRef>
+          <a:fontRef idx="minor">
+            <a:schemeClr val="lt1"/>
+          </a:fontRef>
+        </p:style>
+        <p:txBody>
+          <a:bodyPr rtlCol="0" anchor="ctr"/>
+          <a:lstStyle/>
+          <a:p>
+            <a:pPr algn="ctr"/>
+            <a:r>
+              <a:rPr lang="hr-HR" b="1" dirty="0" err="1" smtClean="0"/>
+              <a:t>Dynamic</a:t>
+            </a:r>
+            <a:r>
+              <a:rPr lang="hr-HR" b="1" dirty="0" smtClean="0"/>
+              <a:t> </a:t>
+            </a:r>
+            <a:r>
+              <a:rPr lang="hr-HR" b="1" dirty="0" err="1" smtClean="0"/>
+              <a:t>Language</a:t>
+            </a:r>
+            <a:r>
+              <a:rPr lang="hr-HR" b="1" dirty="0" smtClean="0"/>
+              <a:t> </a:t>
+            </a:r>
+            <a:r>
+              <a:rPr lang="hr-HR" b="1" dirty="0" err="1" smtClean="0"/>
+              <a:t>Runtime</a:t>
+            </a:r>
+            <a:endParaRPr lang="hr-HR" b="1" dirty="0"/>
+          </a:p>
+        </p:txBody>
+      </p:sp>
+      <p:sp>
+        <p:nvSpPr>
+          <p:cNvPr id="7" name="Zaobljeni pravokutnik 6"/>
+          <p:cNvSpPr/>
+          <p:nvPr/>
+        </p:nvSpPr>
+        <p:spPr>
+          <a:xfrm>
+            <a:off x="6263426" y="3666186"/>
+            <a:ext cx="2376000" cy="682580"/>
+          </a:xfrm>
+          <a:prstGeom prst="roundRect">
+            <a:avLst/>
+          </a:prstGeom>
+          <a:ln>
+            <a:solidFill>
+              <a:schemeClr val="tx1"/>
+            </a:solidFill>
+          </a:ln>
+        </p:spPr>
+        <p:style>
+          <a:lnRef idx="2">
+            <a:schemeClr val="accent1">
+              <a:shade val="50000"/>
+            </a:schemeClr>
+          </a:lnRef>
+          <a:fillRef idx="1">
+            <a:schemeClr val="accent1"/>
+          </a:fillRef>
+          <a:effectRef idx="0">
+            <a:schemeClr val="accent1"/>
+          </a:effectRef>
+          <a:fontRef idx="minor">
+            <a:schemeClr val="lt1"/>
+          </a:fontRef>
+        </p:style>
+        <p:txBody>
+          <a:bodyPr rtlCol="0" anchor="ctr"/>
+          <a:lstStyle/>
+          <a:p>
+            <a:pPr algn="ctr"/>
+            <a:r>
+              <a:rPr lang="hr-HR" b="1" dirty="0" err="1" smtClean="0"/>
+              <a:t>Managed</a:t>
+            </a:r>
+            <a:r>
+              <a:rPr lang="hr-HR" b="1" dirty="0" smtClean="0"/>
+              <a:t> </a:t>
+            </a:r>
+            <a:r>
+              <a:rPr lang="hr-HR" b="1" dirty="0" err="1" smtClean="0"/>
+              <a:t>Extensibility</a:t>
+            </a:r>
+            <a:r>
+              <a:rPr lang="hr-HR" b="1" dirty="0" smtClean="0"/>
+              <a:t> Framework</a:t>
+            </a:r>
+            <a:endParaRPr lang="hr-HR" b="1" dirty="0"/>
+          </a:p>
+        </p:txBody>
+      </p:sp>
+      <p:sp>
+        <p:nvSpPr>
+          <p:cNvPr id="8" name="Zaobljeni pravokutnik 7"/>
+          <p:cNvSpPr/>
+          <p:nvPr/>
+        </p:nvSpPr>
+        <p:spPr>
+          <a:xfrm>
+            <a:off x="8918621" y="3666186"/>
+            <a:ext cx="1622738" cy="682580"/>
+          </a:xfrm>
+          <a:prstGeom prst="roundRect">
+            <a:avLst/>
+          </a:prstGeom>
+          <a:ln>
+            <a:solidFill>
+              <a:schemeClr val="tx1"/>
+            </a:solidFill>
+          </a:ln>
+        </p:spPr>
+        <p:style>
+          <a:lnRef idx="2">
+            <a:schemeClr val="accent1">
+              <a:shade val="50000"/>
+            </a:schemeClr>
+          </a:lnRef>
+          <a:fillRef idx="1">
+            <a:schemeClr val="accent1"/>
+          </a:fillRef>
+          <a:effectRef idx="0">
+            <a:schemeClr val="accent1"/>
+          </a:effectRef>
+          <a:fontRef idx="minor">
+            <a:schemeClr val="lt1"/>
+          </a:fontRef>
+        </p:style>
+        <p:txBody>
+          <a:bodyPr rtlCol="0" anchor="ctr"/>
+          <a:lstStyle/>
+          <a:p>
+            <a:pPr algn="ctr"/>
+            <a:r>
+              <a:rPr lang="hr-HR" b="1" dirty="0" err="1" smtClean="0"/>
+              <a:t>Portable</a:t>
+            </a:r>
+            <a:r>
+              <a:rPr lang="hr-HR" b="1" dirty="0" smtClean="0"/>
+              <a:t> </a:t>
+            </a:r>
+            <a:r>
+              <a:rPr lang="hr-HR" b="1" dirty="0" err="1" smtClean="0"/>
+              <a:t>Class</a:t>
+            </a:r>
+            <a:r>
+              <a:rPr lang="hr-HR" b="1" dirty="0" smtClean="0"/>
+              <a:t> </a:t>
+            </a:r>
+            <a:r>
+              <a:rPr lang="hr-HR" b="1" dirty="0" err="1" smtClean="0"/>
+              <a:t>Library</a:t>
+            </a:r>
+            <a:endParaRPr lang="hr-HR" b="1" dirty="0"/>
+          </a:p>
+        </p:txBody>
+      </p:sp>
+      <p:sp>
+        <p:nvSpPr>
+          <p:cNvPr id="9" name="Zaobljeni pravokutnik 8"/>
+          <p:cNvSpPr/>
+          <p:nvPr/>
+        </p:nvSpPr>
+        <p:spPr>
+          <a:xfrm>
+            <a:off x="10998558" y="3666186"/>
+            <a:ext cx="1193442" cy="682580"/>
+          </a:xfrm>
+          <a:prstGeom prst="roundRect">
+            <a:avLst/>
+          </a:prstGeom>
+          <a:ln>
+            <a:solidFill>
+              <a:schemeClr val="tx1"/>
+            </a:solidFill>
+          </a:ln>
+        </p:spPr>
+        <p:style>
+          <a:lnRef idx="2">
+            <a:schemeClr val="accent1">
+              <a:shade val="50000"/>
+            </a:schemeClr>
+          </a:lnRef>
+          <a:fillRef idx="1">
+            <a:schemeClr val="accent1"/>
+          </a:fillRef>
+          <a:effectRef idx="0">
+            <a:schemeClr val="accent1"/>
+          </a:effectRef>
+          <a:fontRef idx="minor">
+            <a:schemeClr val="lt1"/>
+          </a:fontRef>
+        </p:style>
+        <p:txBody>
+          <a:bodyPr rtlCol="0" anchor="ctr"/>
+          <a:lstStyle/>
+          <a:p>
+            <a:pPr algn="ctr"/>
+            <a:r>
+              <a:rPr lang="hr-HR" b="1" dirty="0" err="1" smtClean="0"/>
+              <a:t>WinRT</a:t>
+            </a:r>
+            <a:endParaRPr lang="hr-HR" b="1" dirty="0"/>
+          </a:p>
+        </p:txBody>
+      </p:sp>
+      <p:sp>
+        <p:nvSpPr>
+          <p:cNvPr id="10" name="Zaobljeni pravokutnik 9"/>
+          <p:cNvSpPr/>
+          <p:nvPr/>
+        </p:nvSpPr>
+        <p:spPr>
+          <a:xfrm>
+            <a:off x="10735" y="2698125"/>
+            <a:ext cx="1692000" cy="682580"/>
+          </a:xfrm>
+          <a:prstGeom prst="roundRect">
+            <a:avLst/>
+          </a:prstGeom>
+          <a:ln>
+            <a:solidFill>
+              <a:schemeClr val="tx1"/>
+            </a:solidFill>
+          </a:ln>
+        </p:spPr>
+        <p:style>
+          <a:lnRef idx="2">
+            <a:schemeClr val="accent1">
+              <a:shade val="50000"/>
+            </a:schemeClr>
+          </a:lnRef>
+          <a:fillRef idx="1">
+            <a:schemeClr val="accent1"/>
+          </a:fillRef>
+          <a:effectRef idx="0">
+            <a:schemeClr val="accent1"/>
+          </a:effectRef>
+          <a:fontRef idx="minor">
+            <a:schemeClr val="lt1"/>
+          </a:fontRef>
+        </p:style>
+        <p:txBody>
+          <a:bodyPr rtlCol="0" anchor="ctr"/>
+          <a:lstStyle/>
+          <a:p>
+            <a:pPr algn="ctr"/>
+            <a:r>
+              <a:rPr lang="hr-HR" b="1" dirty="0" smtClean="0"/>
+              <a:t>Windows Store aplikacije</a:t>
+            </a:r>
+            <a:endParaRPr lang="hr-HR" b="1" dirty="0"/>
+          </a:p>
+        </p:txBody>
+      </p:sp>
+      <p:sp>
+        <p:nvSpPr>
+          <p:cNvPr id="11" name="Zaobljeni pravokutnik 10"/>
+          <p:cNvSpPr/>
+          <p:nvPr/>
+        </p:nvSpPr>
+        <p:spPr>
+          <a:xfrm>
+            <a:off x="2026376" y="2698125"/>
+            <a:ext cx="1440000" cy="682580"/>
+          </a:xfrm>
+          <a:prstGeom prst="roundRect">
+            <a:avLst/>
+          </a:prstGeom>
+          <a:ln>
+            <a:solidFill>
+              <a:schemeClr val="tx1"/>
+            </a:solidFill>
+          </a:ln>
+        </p:spPr>
+        <p:style>
+          <a:lnRef idx="2">
+            <a:schemeClr val="accent1">
+              <a:shade val="50000"/>
+            </a:schemeClr>
+          </a:lnRef>
+          <a:fillRef idx="1">
+            <a:schemeClr val="accent1"/>
+          </a:fillRef>
+          <a:effectRef idx="0">
+            <a:schemeClr val="accent1"/>
+          </a:effectRef>
+          <a:fontRef idx="minor">
+            <a:schemeClr val="lt1"/>
+          </a:fontRef>
+        </p:style>
+        <p:txBody>
+          <a:bodyPr rtlCol="0" anchor="ctr"/>
+          <a:lstStyle/>
+          <a:p>
+            <a:pPr algn="ctr"/>
+            <a:r>
+              <a:rPr lang="hr-HR" b="1" dirty="0" smtClean="0"/>
+              <a:t>WPF</a:t>
+            </a:r>
+            <a:endParaRPr lang="hr-HR" b="1" dirty="0"/>
+          </a:p>
+        </p:txBody>
+      </p:sp>
+      <p:sp>
+        <p:nvSpPr>
+          <p:cNvPr id="12" name="Zaobljeni pravokutnik 11"/>
+          <p:cNvSpPr/>
+          <p:nvPr/>
+        </p:nvSpPr>
+        <p:spPr>
+          <a:xfrm>
+            <a:off x="3762672" y="2698125"/>
+            <a:ext cx="1440000" cy="682580"/>
+          </a:xfrm>
+          <a:prstGeom prst="roundRect">
+            <a:avLst/>
+          </a:prstGeom>
+          <a:ln>
+            <a:solidFill>
+              <a:schemeClr val="tx1"/>
+            </a:solidFill>
+          </a:ln>
+        </p:spPr>
+        <p:style>
+          <a:lnRef idx="2">
+            <a:schemeClr val="accent1">
+              <a:shade val="50000"/>
+            </a:schemeClr>
+          </a:lnRef>
+          <a:fillRef idx="1">
+            <a:schemeClr val="accent1"/>
+          </a:fillRef>
+          <a:effectRef idx="0">
+            <a:schemeClr val="accent1"/>
+          </a:effectRef>
+          <a:fontRef idx="minor">
+            <a:schemeClr val="lt1"/>
+          </a:fontRef>
+        </p:style>
+        <p:txBody>
+          <a:bodyPr rtlCol="0" anchor="ctr"/>
+          <a:lstStyle/>
+          <a:p>
+            <a:pPr algn="ctr"/>
+            <a:r>
+              <a:rPr lang="hr-HR" b="1" dirty="0" err="1" smtClean="0"/>
+              <a:t>SilverLight</a:t>
+            </a:r>
+            <a:endParaRPr lang="hr-HR" b="1" dirty="0"/>
+          </a:p>
+        </p:txBody>
+      </p:sp>
+      <p:sp>
+        <p:nvSpPr>
+          <p:cNvPr id="13" name="Zaobljeni pravokutnik 12"/>
+          <p:cNvSpPr/>
+          <p:nvPr/>
+        </p:nvSpPr>
+        <p:spPr>
+          <a:xfrm>
+            <a:off x="5498968" y="2698125"/>
+            <a:ext cx="1440000" cy="682580"/>
+          </a:xfrm>
+          <a:prstGeom prst="roundRect">
+            <a:avLst/>
+          </a:prstGeom>
+          <a:ln>
+            <a:solidFill>
+              <a:schemeClr val="tx1"/>
+            </a:solidFill>
+          </a:ln>
+        </p:spPr>
+        <p:style>
+          <a:lnRef idx="2">
+            <a:schemeClr val="accent1">
+              <a:shade val="50000"/>
+            </a:schemeClr>
+          </a:lnRef>
+          <a:fillRef idx="1">
+            <a:schemeClr val="accent1"/>
+          </a:fillRef>
+          <a:effectRef idx="0">
+            <a:schemeClr val="accent1"/>
+          </a:effectRef>
+          <a:fontRef idx="minor">
+            <a:schemeClr val="lt1"/>
+          </a:fontRef>
+        </p:style>
+        <p:txBody>
+          <a:bodyPr rtlCol="0" anchor="ctr"/>
+          <a:lstStyle/>
+          <a:p>
+            <a:pPr algn="ctr"/>
+            <a:r>
+              <a:rPr lang="hr-HR" b="1" dirty="0" smtClean="0"/>
+              <a:t>LINQ</a:t>
+            </a:r>
+            <a:endParaRPr lang="hr-HR" b="1" dirty="0"/>
+          </a:p>
+        </p:txBody>
+      </p:sp>
+      <p:sp>
+        <p:nvSpPr>
+          <p:cNvPr id="14" name="Zaobljeni pravokutnik 13"/>
+          <p:cNvSpPr/>
+          <p:nvPr/>
+        </p:nvSpPr>
+        <p:spPr>
+          <a:xfrm>
+            <a:off x="7235264" y="2698125"/>
+            <a:ext cx="1440000" cy="682580"/>
+          </a:xfrm>
+          <a:prstGeom prst="roundRect">
+            <a:avLst/>
+          </a:prstGeom>
+          <a:ln>
+            <a:solidFill>
+              <a:schemeClr val="tx1"/>
+            </a:solidFill>
+          </a:ln>
+        </p:spPr>
+        <p:style>
+          <a:lnRef idx="2">
+            <a:schemeClr val="accent1">
+              <a:shade val="50000"/>
+            </a:schemeClr>
+          </a:lnRef>
+          <a:fillRef idx="1">
+            <a:schemeClr val="accent1"/>
+          </a:fillRef>
+          <a:effectRef idx="0">
+            <a:schemeClr val="accent1"/>
+          </a:effectRef>
+          <a:fontRef idx="minor">
+            <a:schemeClr val="lt1"/>
+          </a:fontRef>
+        </p:style>
+        <p:txBody>
+          <a:bodyPr rtlCol="0" anchor="ctr"/>
+          <a:lstStyle/>
+          <a:p>
+            <a:pPr algn="ctr"/>
+            <a:r>
+              <a:rPr lang="hr-HR" b="1" dirty="0" smtClean="0"/>
+              <a:t>Paralelni dodatci</a:t>
+            </a:r>
+            <a:endParaRPr lang="hr-HR" b="1" dirty="0"/>
+          </a:p>
+        </p:txBody>
+      </p:sp>
+      <p:sp>
+        <p:nvSpPr>
+          <p:cNvPr id="15" name="Zaobljeni pravokutnik 14"/>
+          <p:cNvSpPr/>
+          <p:nvPr/>
+        </p:nvSpPr>
+        <p:spPr>
+          <a:xfrm>
+            <a:off x="8971560" y="2698125"/>
+            <a:ext cx="1440000" cy="682580"/>
+          </a:xfrm>
+          <a:prstGeom prst="roundRect">
+            <a:avLst/>
+          </a:prstGeom>
+          <a:ln>
+            <a:solidFill>
+              <a:schemeClr val="tx1"/>
+            </a:solidFill>
+          </a:ln>
+        </p:spPr>
+        <p:style>
+          <a:lnRef idx="2">
+            <a:schemeClr val="accent1">
+              <a:shade val="50000"/>
+            </a:schemeClr>
+          </a:lnRef>
+          <a:fillRef idx="1">
+            <a:schemeClr val="accent1"/>
+          </a:fillRef>
+          <a:effectRef idx="0">
+            <a:schemeClr val="accent1"/>
+          </a:effectRef>
+          <a:fontRef idx="minor">
+            <a:schemeClr val="lt1"/>
+          </a:fontRef>
+        </p:style>
+        <p:txBody>
+          <a:bodyPr rtlCol="0" anchor="ctr"/>
+          <a:lstStyle/>
+          <a:p>
+            <a:pPr algn="ctr"/>
+            <a:r>
+              <a:rPr lang="hr-HR" b="1" dirty="0" err="1" smtClean="0"/>
+              <a:t>SignalR</a:t>
+            </a:r>
+            <a:endParaRPr lang="hr-HR" b="1" dirty="0"/>
+          </a:p>
+        </p:txBody>
+      </p:sp>
+      <p:sp>
+        <p:nvSpPr>
+          <p:cNvPr id="16" name="Zaobljeni pravokutnik 15"/>
+          <p:cNvSpPr/>
+          <p:nvPr/>
+        </p:nvSpPr>
+        <p:spPr>
+          <a:xfrm>
+            <a:off x="10752000" y="2698125"/>
+            <a:ext cx="1440000" cy="682580"/>
+          </a:xfrm>
+          <a:prstGeom prst="roundRect">
+            <a:avLst/>
+          </a:prstGeom>
+          <a:ln>
+            <a:solidFill>
+              <a:schemeClr val="tx1"/>
+            </a:solidFill>
+          </a:ln>
+        </p:spPr>
+        <p:style>
+          <a:lnRef idx="2">
+            <a:schemeClr val="accent1">
+              <a:shade val="50000"/>
+            </a:schemeClr>
+          </a:lnRef>
+          <a:fillRef idx="1">
+            <a:schemeClr val="accent1"/>
+          </a:fillRef>
+          <a:effectRef idx="0">
+            <a:schemeClr val="accent1"/>
+          </a:effectRef>
+          <a:fontRef idx="minor">
+            <a:schemeClr val="lt1"/>
+          </a:fontRef>
+        </p:style>
+        <p:txBody>
+          <a:bodyPr rtlCol="0" anchor="ctr"/>
+          <a:lstStyle/>
+          <a:p>
+            <a:pPr algn="ctr"/>
+            <a:r>
+              <a:rPr lang="hr-HR" b="1" dirty="0" smtClean="0"/>
+              <a:t>WF</a:t>
+            </a:r>
+            <a:endParaRPr lang="hr-HR" b="1" dirty="0"/>
+          </a:p>
+        </p:txBody>
+      </p:sp>
+      <p:sp>
+        <p:nvSpPr>
+          <p:cNvPr id="17" name="Zaobljeni pravokutnik 16"/>
+          <p:cNvSpPr/>
+          <p:nvPr/>
+        </p:nvSpPr>
+        <p:spPr>
+          <a:xfrm>
+            <a:off x="-2143" y="1834168"/>
+            <a:ext cx="1692000" cy="682580"/>
+          </a:xfrm>
+          <a:prstGeom prst="roundRect">
+            <a:avLst/>
+          </a:prstGeom>
+          <a:ln>
+            <a:solidFill>
+              <a:schemeClr val="tx1"/>
+            </a:solidFill>
+          </a:ln>
+        </p:spPr>
+        <p:style>
+          <a:lnRef idx="2">
+            <a:schemeClr val="accent1">
+              <a:shade val="50000"/>
+            </a:schemeClr>
+          </a:lnRef>
+          <a:fillRef idx="1">
+            <a:schemeClr val="accent1"/>
+          </a:fillRef>
+          <a:effectRef idx="0">
+            <a:schemeClr val="accent1"/>
+          </a:effectRef>
+          <a:fontRef idx="minor">
+            <a:schemeClr val="lt1"/>
+          </a:fontRef>
+        </p:style>
+        <p:txBody>
+          <a:bodyPr rtlCol="0" anchor="ctr"/>
+          <a:lstStyle/>
+          <a:p>
+            <a:pPr algn="ctr"/>
+            <a:r>
+              <a:rPr lang="hr-HR" b="1" dirty="0" smtClean="0"/>
+              <a:t>ASP.NET</a:t>
+            </a:r>
+            <a:endParaRPr lang="hr-HR" b="1" dirty="0"/>
+          </a:p>
+        </p:txBody>
+      </p:sp>
+      <p:sp>
+        <p:nvSpPr>
+          <p:cNvPr id="18" name="Zaobljeni pravokutnik 17"/>
+          <p:cNvSpPr/>
+          <p:nvPr/>
+        </p:nvSpPr>
+        <p:spPr>
+          <a:xfrm>
+            <a:off x="2122188" y="1834168"/>
+            <a:ext cx="1692000" cy="682580"/>
+          </a:xfrm>
+          <a:prstGeom prst="roundRect">
+            <a:avLst/>
+          </a:prstGeom>
+          <a:ln>
+            <a:solidFill>
+              <a:schemeClr val="tx1"/>
+            </a:solidFill>
+          </a:ln>
+        </p:spPr>
+        <p:style>
+          <a:lnRef idx="2">
+            <a:schemeClr val="accent1">
+              <a:shade val="50000"/>
+            </a:schemeClr>
+          </a:lnRef>
+          <a:fillRef idx="1">
+            <a:schemeClr val="accent1"/>
+          </a:fillRef>
+          <a:effectRef idx="0">
+            <a:schemeClr val="accent1"/>
+          </a:effectRef>
+          <a:fontRef idx="minor">
+            <a:schemeClr val="lt1"/>
+          </a:fontRef>
+        </p:style>
+        <p:txBody>
+          <a:bodyPr rtlCol="0" anchor="ctr"/>
+          <a:lstStyle/>
+          <a:p>
+            <a:pPr algn="ctr"/>
+            <a:r>
+              <a:rPr lang="hr-HR" b="1" dirty="0" smtClean="0"/>
+              <a:t>Windows forme</a:t>
+            </a:r>
+            <a:endParaRPr lang="hr-HR" b="1" dirty="0"/>
+          </a:p>
+        </p:txBody>
+      </p:sp>
+      <p:sp>
+        <p:nvSpPr>
+          <p:cNvPr id="19" name="Zaobljeni pravokutnik 18"/>
+          <p:cNvSpPr/>
+          <p:nvPr/>
+        </p:nvSpPr>
+        <p:spPr>
+          <a:xfrm>
+            <a:off x="4195004" y="1834168"/>
+            <a:ext cx="1692000" cy="682580"/>
+          </a:xfrm>
+          <a:prstGeom prst="roundRect">
+            <a:avLst/>
+          </a:prstGeom>
+          <a:ln>
+            <a:solidFill>
+              <a:schemeClr val="tx1"/>
+            </a:solidFill>
+          </a:ln>
+        </p:spPr>
+        <p:style>
+          <a:lnRef idx="2">
+            <a:schemeClr val="accent1">
+              <a:shade val="50000"/>
+            </a:schemeClr>
+          </a:lnRef>
+          <a:fillRef idx="1">
+            <a:schemeClr val="accent1"/>
+          </a:fillRef>
+          <a:effectRef idx="0">
+            <a:schemeClr val="accent1"/>
+          </a:effectRef>
+          <a:fontRef idx="minor">
+            <a:schemeClr val="lt1"/>
+          </a:fontRef>
+        </p:style>
+        <p:txBody>
+          <a:bodyPr rtlCol="0" anchor="ctr"/>
+          <a:lstStyle/>
+          <a:p>
+            <a:pPr algn="ctr"/>
+            <a:r>
+              <a:rPr lang="hr-HR" b="1" dirty="0" smtClean="0"/>
+              <a:t>ADO.NET</a:t>
+            </a:r>
+            <a:endParaRPr lang="hr-HR" b="1" dirty="0"/>
+          </a:p>
+        </p:txBody>
+      </p:sp>
+      <p:sp>
+        <p:nvSpPr>
+          <p:cNvPr id="20" name="Zaobljeni pravokutnik 19"/>
+          <p:cNvSpPr/>
+          <p:nvPr/>
+        </p:nvSpPr>
+        <p:spPr>
+          <a:xfrm>
+            <a:off x="6339759" y="1834168"/>
+            <a:ext cx="1728000" cy="682580"/>
+          </a:xfrm>
+          <a:prstGeom prst="roundRect">
+            <a:avLst/>
+          </a:prstGeom>
+          <a:ln>
+            <a:solidFill>
+              <a:schemeClr val="tx1"/>
+            </a:solidFill>
+          </a:ln>
+        </p:spPr>
+        <p:style>
+          <a:lnRef idx="2">
+            <a:schemeClr val="accent1">
+              <a:shade val="50000"/>
+            </a:schemeClr>
+          </a:lnRef>
+          <a:fillRef idx="1">
+            <a:schemeClr val="accent1"/>
+          </a:fillRef>
+          <a:effectRef idx="0">
+            <a:schemeClr val="accent1"/>
+          </a:effectRef>
+          <a:fontRef idx="minor">
+            <a:schemeClr val="lt1"/>
+          </a:fontRef>
+        </p:style>
+        <p:txBody>
+          <a:bodyPr rtlCol="0" anchor="ctr"/>
+          <a:lstStyle/>
+          <a:p>
+            <a:pPr algn="ctr"/>
+            <a:r>
+              <a:rPr lang="hr-HR" b="1" dirty="0" smtClean="0"/>
+              <a:t>ADO.NET </a:t>
+            </a:r>
+            <a:r>
+              <a:rPr lang="hr-HR" b="1" dirty="0" err="1" smtClean="0"/>
+              <a:t>Entity</a:t>
+            </a:r>
+            <a:r>
+              <a:rPr lang="hr-HR" b="1" dirty="0" smtClean="0"/>
+              <a:t> Framework</a:t>
+            </a:r>
+            <a:endParaRPr lang="hr-HR" b="1" dirty="0"/>
+          </a:p>
+        </p:txBody>
+      </p:sp>
+      <p:sp>
+        <p:nvSpPr>
+          <p:cNvPr id="21" name="Zaobljeni pravokutnik 20"/>
+          <p:cNvSpPr/>
+          <p:nvPr/>
+        </p:nvSpPr>
+        <p:spPr>
+          <a:xfrm>
+            <a:off x="8417516" y="1834168"/>
+            <a:ext cx="1692000" cy="682580"/>
+          </a:xfrm>
+          <a:prstGeom prst="roundRect">
+            <a:avLst/>
+          </a:prstGeom>
+          <a:ln>
+            <a:solidFill>
+              <a:schemeClr val="tx1"/>
+            </a:solidFill>
+          </a:ln>
+        </p:spPr>
+        <p:style>
+          <a:lnRef idx="2">
+            <a:schemeClr val="accent1">
+              <a:shade val="50000"/>
+            </a:schemeClr>
+          </a:lnRef>
+          <a:fillRef idx="1">
+            <a:schemeClr val="accent1"/>
+          </a:fillRef>
+          <a:effectRef idx="0">
+            <a:schemeClr val="accent1"/>
+          </a:effectRef>
+          <a:fontRef idx="minor">
+            <a:schemeClr val="lt1"/>
+          </a:fontRef>
+        </p:style>
+        <p:txBody>
+          <a:bodyPr rtlCol="0" anchor="ctr"/>
+          <a:lstStyle/>
+          <a:p>
+            <a:pPr algn="ctr"/>
+            <a:r>
+              <a:rPr lang="hr-HR" b="1" dirty="0" smtClean="0"/>
+              <a:t>WCF</a:t>
+            </a:r>
+            <a:endParaRPr lang="hr-HR" b="1" dirty="0"/>
+          </a:p>
+        </p:txBody>
+      </p:sp>
+      <p:sp>
+        <p:nvSpPr>
+          <p:cNvPr id="22" name="Zaobljeni pravokutnik 21"/>
+          <p:cNvSpPr/>
+          <p:nvPr/>
+        </p:nvSpPr>
+        <p:spPr>
+          <a:xfrm>
+            <a:off x="10495274" y="1834168"/>
+            <a:ext cx="1692000" cy="682580"/>
+          </a:xfrm>
+          <a:prstGeom prst="roundRect">
+            <a:avLst/>
+          </a:prstGeom>
+          <a:ln>
+            <a:solidFill>
+              <a:schemeClr val="tx1"/>
+            </a:solidFill>
+          </a:ln>
+        </p:spPr>
+        <p:style>
+          <a:lnRef idx="2">
+            <a:schemeClr val="accent1">
+              <a:shade val="50000"/>
+            </a:schemeClr>
+          </a:lnRef>
+          <a:fillRef idx="1">
+            <a:schemeClr val="accent1"/>
+          </a:fillRef>
+          <a:effectRef idx="0">
+            <a:schemeClr val="accent1"/>
+          </a:effectRef>
+          <a:fontRef idx="minor">
+            <a:schemeClr val="lt1"/>
+          </a:fontRef>
+        </p:style>
+        <p:txBody>
+          <a:bodyPr rtlCol="0" anchor="ctr"/>
+          <a:lstStyle/>
+          <a:p>
+            <a:pPr algn="ctr"/>
+            <a:r>
+              <a:rPr lang="hr-HR" b="1" dirty="0" smtClean="0"/>
+              <a:t>ASP.NET Web API</a:t>
+            </a:r>
+            <a:endParaRPr lang="hr-HR" b="1" dirty="0"/>
+          </a:p>
+        </p:txBody>
+      </p:sp>
+      <p:sp>
+        <p:nvSpPr>
+          <p:cNvPr id="24" name="Zaobljeni pravokutnik 23"/>
+          <p:cNvSpPr/>
+          <p:nvPr/>
+        </p:nvSpPr>
+        <p:spPr>
+          <a:xfrm>
+            <a:off x="0" y="787760"/>
+            <a:ext cx="12192000" cy="684000"/>
+          </a:xfrm>
+          <a:prstGeom prst="roundRect">
+            <a:avLst/>
+          </a:prstGeom>
+          <a:ln>
+            <a:solidFill>
+              <a:schemeClr val="tx1"/>
+            </a:solidFill>
+          </a:ln>
+        </p:spPr>
+        <p:style>
+          <a:lnRef idx="2">
+            <a:schemeClr val="accent1">
+              <a:shade val="50000"/>
+            </a:schemeClr>
+          </a:lnRef>
+          <a:fillRef idx="1">
+            <a:schemeClr val="accent1"/>
+          </a:fillRef>
+          <a:effectRef idx="0">
+            <a:schemeClr val="accent1"/>
+          </a:effectRef>
+          <a:fontRef idx="minor">
+            <a:schemeClr val="lt1"/>
+          </a:fontRef>
+        </p:style>
+        <p:txBody>
+          <a:bodyPr rtlCol="0" anchor="ctr"/>
+          <a:lstStyle/>
+          <a:p>
+            <a:pPr algn="ctr"/>
+            <a:r>
+              <a:rPr lang="hr-HR" b="1" dirty="0" err="1" smtClean="0"/>
+              <a:t>Visual</a:t>
+            </a:r>
+            <a:r>
+              <a:rPr lang="hr-HR" b="1" dirty="0" smtClean="0"/>
+              <a:t> Studio</a:t>
+            </a:r>
+            <a:endParaRPr lang="hr-HR" b="1" dirty="0"/>
+          </a:p>
+        </p:txBody>
+      </p:sp>
+    </p:spTree>
+    <p:extLst>
+      <p:ext uri="{BB962C8B-B14F-4D97-AF65-F5344CB8AC3E}">
+        <p14:creationId xmlns:p14="http://schemas.microsoft.com/office/powerpoint/2010/main" val="1503069714"/>
+      </p:ext>
+    </p:extLst>
+  </p:cSld>
+  <p:clrMapOvr>
+    <a:masterClrMapping/>
+  </p:clrMapOvr>
+</p:sld>
+</file>
+
 <file path=ppt/theme/theme1.xml><?xml version="1.0" encoding="utf-8"?>
 <a:theme xmlns:a="http://schemas.openxmlformats.org/drawingml/2006/main" name="Tema sustava Office">
   <a:themeElements>
